--- a/SRS.pptx
+++ b/SRS.pptx
@@ -3655,8 +3655,8 @@
         </p:nvSpPr>
         <p:spPr>
           <a:xfrm>
-            <a:off x="4139952" y="2499742"/>
-            <a:ext cx="2880320" cy="338554"/>
+            <a:off x="4139952" y="2499743"/>
+            <a:ext cx="2880320" cy="523220"/>
           </a:xfrm>
           <a:prstGeom prst="rect">
             <a:avLst/>
@@ -3669,7 +3669,11 @@
           </a:bodyPr>
           <a:lstStyle/>
           <a:p>
-            <a:endParaRPr lang="en-US" sz="1600" dirty="0"/>
+            <a:r>
+              <a:rPr lang="en-US" sz="1400" dirty="0" smtClean="0"/>
+              <a:t>https://github.com/Baranisekar/SUNSTONE</a:t>
+            </a:r>
+            <a:endParaRPr lang="en-US" sz="1400" dirty="0"/>
           </a:p>
         </p:txBody>
       </p:sp>
